--- a/Requirement/Data.pptx
+++ b/Requirement/Data.pptx
@@ -27,6 +27,14 @@
     <p:sldId id="275" r:id="rId21"/>
     <p:sldId id="276" r:id="rId22"/>
     <p:sldId id="277" r:id="rId23"/>
+    <p:sldId id="280" r:id="rId24"/>
+    <p:sldId id="281" r:id="rId25"/>
+    <p:sldId id="282" r:id="rId26"/>
+    <p:sldId id="283" r:id="rId27"/>
+    <p:sldId id="284" r:id="rId28"/>
+    <p:sldId id="285" r:id="rId29"/>
+    <p:sldId id="286" r:id="rId30"/>
+    <p:sldId id="279" r:id="rId31"/>
   </p:sldIdLst>
   <p:sldSz cx="9144000" cy="6858000" type="screen4x3"/>
   <p:notesSz cx="6858000" cy="9144000"/>
@@ -5898,7 +5906,7 @@
         </p:blipFill>
         <p:spPr bwMode="auto">
           <a:xfrm>
-            <a:off x="762000" y="1200150"/>
+            <a:off x="762000" y="1676400"/>
             <a:ext cx="8011140" cy="3163887"/>
           </a:xfrm>
           <a:prstGeom prst="rect">
@@ -5947,7 +5955,7 @@
         </p:nvSpPr>
         <p:spPr>
           <a:xfrm>
-            <a:off x="3167370" y="609600"/>
+            <a:off x="3167370" y="1066800"/>
             <a:ext cx="3200400" cy="1219200"/>
           </a:xfrm>
           <a:prstGeom prst="ellipse">
@@ -6017,7 +6025,7 @@
         </p:blipFill>
         <p:spPr>
           <a:xfrm>
-            <a:off x="3064350" y="191837"/>
+            <a:off x="2928301" y="449580"/>
             <a:ext cx="3091499" cy="2054726"/>
           </a:xfrm>
           <a:prstGeom prst="rect">
@@ -6029,6 +6037,1753 @@
     <p:extLst>
       <p:ext uri="{BB962C8B-B14F-4D97-AF65-F5344CB8AC3E}">
         <p14:creationId xmlns:p14="http://schemas.microsoft.com/office/powerpoint/2010/main" val="433451271"/>
+      </p:ext>
+    </p:extLst>
+  </p:cSld>
+  <p:clrMapOvr>
+    <a:masterClrMapping/>
+  </p:clrMapOvr>
+</p:sld>
+</file>
+
+<file path=ppt/slides/slide23.xml><?xml version="1.0" encoding="utf-8"?>
+<p:sld xmlns:a="http://schemas.openxmlformats.org/drawingml/2006/main" xmlns:r="http://schemas.openxmlformats.org/officeDocument/2006/relationships" xmlns:p="http://schemas.openxmlformats.org/presentationml/2006/main">
+  <p:cSld>
+    <p:spTree>
+      <p:nvGrpSpPr>
+        <p:cNvPr id="1" name=""/>
+        <p:cNvGrpSpPr/>
+        <p:nvPr/>
+      </p:nvGrpSpPr>
+      <p:grpSpPr>
+        <a:xfrm>
+          <a:off x="0" y="0"/>
+          <a:ext cx="0" cy="0"/>
+          <a:chOff x="0" y="0"/>
+          <a:chExt cx="0" cy="0"/>
+        </a:xfrm>
+      </p:grpSpPr>
+      <p:sp>
+        <p:nvSpPr>
+          <p:cNvPr id="5" name="TextBox 4"/>
+          <p:cNvSpPr txBox="1"/>
+          <p:nvPr/>
+        </p:nvSpPr>
+        <p:spPr>
+          <a:xfrm>
+            <a:off x="914400" y="5105400"/>
+            <a:ext cx="7391400" cy="923330"/>
+          </a:xfrm>
+          <a:prstGeom prst="rect">
+            <a:avLst/>
+          </a:prstGeom>
+          <a:noFill/>
+        </p:spPr>
+        <p:txBody>
+          <a:bodyPr wrap="square" rtlCol="0">
+            <a:spAutoFit/>
+          </a:bodyPr>
+          <a:lstStyle/>
+          <a:p>
+            <a:r>
+              <a:rPr lang="en-US" dirty="0" err="1" smtClean="0"/>
+              <a:t>Xa</a:t>
+            </a:r>
+            <a:r>
+              <a:rPr lang="en-US" dirty="0" smtClean="0"/>
+              <a:t> </a:t>
+            </a:r>
+            <a:r>
+              <a:rPr lang="en-US" dirty="0" err="1" smtClean="0"/>
+              <a:t>Hoa</a:t>
+            </a:r>
+            <a:endParaRPr lang="en-US" dirty="0"/>
+          </a:p>
+          <a:p>
+            <a:endParaRPr lang="en-US" dirty="0" smtClean="0"/>
+          </a:p>
+          <a:p>
+            <a:r>
+              <a:rPr lang="en-US" dirty="0" err="1" smtClean="0"/>
+              <a:t>Gợi</a:t>
+            </a:r>
+            <a:r>
+              <a:rPr lang="en-US" dirty="0" smtClean="0"/>
+              <a:t> ý: </a:t>
+            </a:r>
+            <a:r>
+              <a:rPr lang="en-US" dirty="0" err="1" smtClean="0"/>
+              <a:t>gần</a:t>
+            </a:r>
+            <a:r>
+              <a:rPr lang="en-US" dirty="0" smtClean="0"/>
+              <a:t> </a:t>
+            </a:r>
+            <a:r>
+              <a:rPr lang="en-US" dirty="0" err="1" smtClean="0"/>
+              <a:t>nghĩa</a:t>
+            </a:r>
+            <a:r>
+              <a:rPr lang="en-US" dirty="0" smtClean="0"/>
+              <a:t> </a:t>
+            </a:r>
+            <a:r>
+              <a:rPr lang="en-US" dirty="0" err="1" smtClean="0"/>
+              <a:t>với</a:t>
+            </a:r>
+            <a:r>
+              <a:rPr lang="en-US" dirty="0" smtClean="0"/>
+              <a:t> “</a:t>
+            </a:r>
+            <a:r>
+              <a:rPr lang="en-US" dirty="0" err="1" smtClean="0"/>
+              <a:t>phung</a:t>
+            </a:r>
+            <a:r>
+              <a:rPr lang="en-US" dirty="0" smtClean="0"/>
+              <a:t> </a:t>
+            </a:r>
+            <a:r>
+              <a:rPr lang="en-US" dirty="0" err="1" smtClean="0"/>
+              <a:t>phí</a:t>
+            </a:r>
+            <a:r>
+              <a:rPr lang="en-US" dirty="0" smtClean="0"/>
+              <a:t>”, </a:t>
+            </a:r>
+            <a:r>
+              <a:rPr lang="en-US" dirty="0" err="1" smtClean="0"/>
+              <a:t>không</a:t>
+            </a:r>
+            <a:r>
+              <a:rPr lang="en-US" dirty="0" smtClean="0"/>
+              <a:t> </a:t>
+            </a:r>
+            <a:r>
+              <a:rPr lang="en-US" dirty="0" err="1" smtClean="0"/>
+              <a:t>biết</a:t>
+            </a:r>
+            <a:r>
+              <a:rPr lang="en-US" dirty="0" smtClean="0"/>
+              <a:t> </a:t>
+            </a:r>
+            <a:r>
+              <a:rPr lang="en-US" dirty="0" err="1" smtClean="0"/>
+              <a:t>tiết</a:t>
+            </a:r>
+            <a:r>
+              <a:rPr lang="en-US" dirty="0" smtClean="0"/>
+              <a:t> </a:t>
+            </a:r>
+            <a:r>
+              <a:rPr lang="en-US" dirty="0" err="1" smtClean="0"/>
+              <a:t>kiệm</a:t>
+            </a:r>
+            <a:endParaRPr lang="en-US" dirty="0" smtClean="0"/>
+          </a:p>
+        </p:txBody>
+      </p:sp>
+      <p:sp>
+        <p:nvSpPr>
+          <p:cNvPr id="2" name="Oval 1"/>
+          <p:cNvSpPr/>
+          <p:nvPr/>
+        </p:nvSpPr>
+        <p:spPr>
+          <a:xfrm>
+            <a:off x="3167370" y="1066800"/>
+            <a:ext cx="3200400" cy="1219200"/>
+          </a:xfrm>
+          <a:prstGeom prst="ellipse">
+            <a:avLst/>
+          </a:prstGeom>
+          <a:solidFill>
+            <a:schemeClr val="bg1"/>
+          </a:solidFill>
+          <a:ln>
+            <a:solidFill>
+              <a:schemeClr val="bg1"/>
+            </a:solidFill>
+          </a:ln>
+        </p:spPr>
+        <p:style>
+          <a:lnRef idx="2">
+            <a:schemeClr val="accent1">
+              <a:shade val="50000"/>
+            </a:schemeClr>
+          </a:lnRef>
+          <a:fillRef idx="1">
+            <a:schemeClr val="accent1"/>
+          </a:fillRef>
+          <a:effectRef idx="0">
+            <a:schemeClr val="accent1"/>
+          </a:effectRef>
+          <a:fontRef idx="minor">
+            <a:schemeClr val="lt1"/>
+          </a:fontRef>
+        </p:style>
+        <p:txBody>
+          <a:bodyPr rtlCol="0" anchor="ctr"/>
+          <a:lstStyle/>
+          <a:p>
+            <a:pPr algn="ctr"/>
+            <a:endParaRPr lang="en-US">
+              <a:ln>
+                <a:solidFill>
+                  <a:schemeClr val="bg1"/>
+                </a:solidFill>
+              </a:ln>
+              <a:solidFill>
+                <a:schemeClr val="bg1"/>
+              </a:solidFill>
+            </a:endParaRPr>
+          </a:p>
+        </p:txBody>
+      </p:sp>
+      <p:pic>
+        <p:nvPicPr>
+          <p:cNvPr id="8" name="Picture 7"/>
+          <p:cNvPicPr>
+            <a:picLocks noChangeAspect="1"/>
+          </p:cNvPicPr>
+          <p:nvPr/>
+        </p:nvPicPr>
+        <p:blipFill>
+          <a:blip r:embed="rId2">
+            <a:extLst>
+              <a:ext uri="{28A0092B-C50C-407E-A947-70E740481C1C}">
+                <a14:useLocalDpi xmlns:a14="http://schemas.microsoft.com/office/drawing/2010/main" val="0"/>
+              </a:ext>
+            </a:extLst>
+          </a:blip>
+          <a:stretch>
+            <a:fillRect/>
+          </a:stretch>
+        </p:blipFill>
+        <p:spPr>
+          <a:xfrm>
+            <a:off x="1733550" y="381000"/>
+            <a:ext cx="5753100" cy="4314825"/>
+          </a:xfrm>
+          <a:prstGeom prst="rect">
+            <a:avLst/>
+          </a:prstGeom>
+        </p:spPr>
+      </p:pic>
+    </p:spTree>
+    <p:extLst>
+      <p:ext uri="{BB962C8B-B14F-4D97-AF65-F5344CB8AC3E}">
+        <p14:creationId xmlns:p14="http://schemas.microsoft.com/office/powerpoint/2010/main" val="2513228645"/>
+      </p:ext>
+    </p:extLst>
+  </p:cSld>
+  <p:clrMapOvr>
+    <a:masterClrMapping/>
+  </p:clrMapOvr>
+</p:sld>
+</file>
+
+<file path=ppt/slides/slide24.xml><?xml version="1.0" encoding="utf-8"?>
+<p:sld xmlns:a="http://schemas.openxmlformats.org/drawingml/2006/main" xmlns:r="http://schemas.openxmlformats.org/officeDocument/2006/relationships" xmlns:p="http://schemas.openxmlformats.org/presentationml/2006/main">
+  <p:cSld>
+    <p:spTree>
+      <p:nvGrpSpPr>
+        <p:cNvPr id="1" name=""/>
+        <p:cNvGrpSpPr/>
+        <p:nvPr/>
+      </p:nvGrpSpPr>
+      <p:grpSpPr>
+        <a:xfrm>
+          <a:off x="0" y="0"/>
+          <a:ext cx="0" cy="0"/>
+          <a:chOff x="0" y="0"/>
+          <a:chExt cx="0" cy="0"/>
+        </a:xfrm>
+      </p:grpSpPr>
+      <p:sp>
+        <p:nvSpPr>
+          <p:cNvPr id="5" name="TextBox 4"/>
+          <p:cNvSpPr txBox="1"/>
+          <p:nvPr/>
+        </p:nvSpPr>
+        <p:spPr>
+          <a:xfrm>
+            <a:off x="914400" y="5105400"/>
+            <a:ext cx="7391400" cy="923330"/>
+          </a:xfrm>
+          <a:prstGeom prst="rect">
+            <a:avLst/>
+          </a:prstGeom>
+          <a:noFill/>
+        </p:spPr>
+        <p:txBody>
+          <a:bodyPr wrap="square" rtlCol="0">
+            <a:spAutoFit/>
+          </a:bodyPr>
+          <a:lstStyle/>
+          <a:p>
+            <a:r>
+              <a:rPr lang="en-US" dirty="0" err="1" smtClean="0"/>
+              <a:t>Đám</a:t>
+            </a:r>
+            <a:r>
+              <a:rPr lang="en-US" dirty="0" smtClean="0"/>
+              <a:t> </a:t>
+            </a:r>
+            <a:r>
+              <a:rPr lang="en-US" dirty="0" err="1" smtClean="0"/>
+              <a:t>Hỏi</a:t>
+            </a:r>
+            <a:endParaRPr lang="en-US" dirty="0"/>
+          </a:p>
+          <a:p>
+            <a:endParaRPr lang="en-US" dirty="0" smtClean="0"/>
+          </a:p>
+          <a:p>
+            <a:r>
+              <a:rPr lang="en-US" dirty="0" err="1" smtClean="0"/>
+              <a:t>Gợi</a:t>
+            </a:r>
+            <a:r>
+              <a:rPr lang="en-US" dirty="0" smtClean="0"/>
+              <a:t> ý: </a:t>
+            </a:r>
+            <a:r>
+              <a:rPr lang="en-US" dirty="0" err="1" smtClean="0"/>
+              <a:t>Trước</a:t>
+            </a:r>
+            <a:r>
+              <a:rPr lang="en-US" dirty="0" smtClean="0"/>
+              <a:t> </a:t>
+            </a:r>
+            <a:r>
+              <a:rPr lang="en-US" dirty="0" err="1" smtClean="0"/>
+              <a:t>đám</a:t>
+            </a:r>
+            <a:r>
+              <a:rPr lang="en-US" dirty="0" smtClean="0"/>
+              <a:t> </a:t>
+            </a:r>
+            <a:r>
+              <a:rPr lang="en-US" dirty="0" err="1" smtClean="0"/>
+              <a:t>cưới</a:t>
+            </a:r>
+            <a:r>
+              <a:rPr lang="en-US" dirty="0" smtClean="0"/>
+              <a:t> </a:t>
+            </a:r>
+            <a:r>
+              <a:rPr lang="en-US" dirty="0" err="1" smtClean="0"/>
+              <a:t>thường</a:t>
+            </a:r>
+            <a:r>
+              <a:rPr lang="en-US" dirty="0" smtClean="0"/>
+              <a:t> hay </a:t>
+            </a:r>
+            <a:r>
+              <a:rPr lang="en-US" dirty="0" err="1" smtClean="0"/>
+              <a:t>tổ</a:t>
+            </a:r>
+            <a:r>
+              <a:rPr lang="en-US" dirty="0" smtClean="0"/>
+              <a:t> </a:t>
+            </a:r>
+            <a:r>
+              <a:rPr lang="en-US" dirty="0" err="1" smtClean="0"/>
+              <a:t>chức</a:t>
+            </a:r>
+            <a:r>
+              <a:rPr lang="en-US" dirty="0" smtClean="0"/>
+              <a:t> </a:t>
+            </a:r>
+            <a:r>
+              <a:rPr lang="en-US" dirty="0" err="1" smtClean="0"/>
+              <a:t>đám</a:t>
+            </a:r>
+            <a:r>
+              <a:rPr lang="en-US" dirty="0" smtClean="0"/>
+              <a:t> nay</a:t>
+            </a:r>
+            <a:endParaRPr lang="en-US" dirty="0" smtClean="0"/>
+          </a:p>
+        </p:txBody>
+      </p:sp>
+      <p:sp>
+        <p:nvSpPr>
+          <p:cNvPr id="2" name="Oval 1"/>
+          <p:cNvSpPr/>
+          <p:nvPr/>
+        </p:nvSpPr>
+        <p:spPr>
+          <a:xfrm>
+            <a:off x="3167370" y="1066800"/>
+            <a:ext cx="3200400" cy="1219200"/>
+          </a:xfrm>
+          <a:prstGeom prst="ellipse">
+            <a:avLst/>
+          </a:prstGeom>
+          <a:solidFill>
+            <a:schemeClr val="bg1"/>
+          </a:solidFill>
+          <a:ln>
+            <a:solidFill>
+              <a:schemeClr val="bg1"/>
+            </a:solidFill>
+          </a:ln>
+        </p:spPr>
+        <p:style>
+          <a:lnRef idx="2">
+            <a:schemeClr val="accent1">
+              <a:shade val="50000"/>
+            </a:schemeClr>
+          </a:lnRef>
+          <a:fillRef idx="1">
+            <a:schemeClr val="accent1"/>
+          </a:fillRef>
+          <a:effectRef idx="0">
+            <a:schemeClr val="accent1"/>
+          </a:effectRef>
+          <a:fontRef idx="minor">
+            <a:schemeClr val="lt1"/>
+          </a:fontRef>
+        </p:style>
+        <p:txBody>
+          <a:bodyPr rtlCol="0" anchor="ctr"/>
+          <a:lstStyle/>
+          <a:p>
+            <a:pPr algn="ctr"/>
+            <a:endParaRPr lang="en-US">
+              <a:ln>
+                <a:solidFill>
+                  <a:schemeClr val="bg1"/>
+                </a:solidFill>
+              </a:ln>
+              <a:solidFill>
+                <a:schemeClr val="bg1"/>
+              </a:solidFill>
+            </a:endParaRPr>
+          </a:p>
+        </p:txBody>
+      </p:sp>
+      <p:pic>
+        <p:nvPicPr>
+          <p:cNvPr id="6" name="Picture 5"/>
+          <p:cNvPicPr>
+            <a:picLocks noChangeAspect="1"/>
+          </p:cNvPicPr>
+          <p:nvPr/>
+        </p:nvPicPr>
+        <p:blipFill>
+          <a:blip r:embed="rId2">
+            <a:extLst>
+              <a:ext uri="{28A0092B-C50C-407E-A947-70E740481C1C}">
+                <a14:useLocalDpi xmlns:a14="http://schemas.microsoft.com/office/drawing/2010/main" val="0"/>
+              </a:ext>
+            </a:extLst>
+          </a:blip>
+          <a:stretch>
+            <a:fillRect/>
+          </a:stretch>
+        </p:blipFill>
+        <p:spPr>
+          <a:xfrm>
+            <a:off x="1733550" y="228600"/>
+            <a:ext cx="5753100" cy="4314825"/>
+          </a:xfrm>
+          <a:prstGeom prst="rect">
+            <a:avLst/>
+          </a:prstGeom>
+        </p:spPr>
+      </p:pic>
+    </p:spTree>
+    <p:extLst>
+      <p:ext uri="{BB962C8B-B14F-4D97-AF65-F5344CB8AC3E}">
+        <p14:creationId xmlns:p14="http://schemas.microsoft.com/office/powerpoint/2010/main" val="1761452967"/>
+      </p:ext>
+    </p:extLst>
+  </p:cSld>
+  <p:clrMapOvr>
+    <a:masterClrMapping/>
+  </p:clrMapOvr>
+</p:sld>
+</file>
+
+<file path=ppt/slides/slide25.xml><?xml version="1.0" encoding="utf-8"?>
+<p:sld xmlns:a="http://schemas.openxmlformats.org/drawingml/2006/main" xmlns:r="http://schemas.openxmlformats.org/officeDocument/2006/relationships" xmlns:p="http://schemas.openxmlformats.org/presentationml/2006/main">
+  <p:cSld>
+    <p:spTree>
+      <p:nvGrpSpPr>
+        <p:cNvPr id="1" name=""/>
+        <p:cNvGrpSpPr/>
+        <p:nvPr/>
+      </p:nvGrpSpPr>
+      <p:grpSpPr>
+        <a:xfrm>
+          <a:off x="0" y="0"/>
+          <a:ext cx="0" cy="0"/>
+          <a:chOff x="0" y="0"/>
+          <a:chExt cx="0" cy="0"/>
+        </a:xfrm>
+      </p:grpSpPr>
+      <p:sp>
+        <p:nvSpPr>
+          <p:cNvPr id="5" name="TextBox 4"/>
+          <p:cNvSpPr txBox="1"/>
+          <p:nvPr/>
+        </p:nvSpPr>
+        <p:spPr>
+          <a:xfrm>
+            <a:off x="914400" y="5105400"/>
+            <a:ext cx="7391400" cy="923330"/>
+          </a:xfrm>
+          <a:prstGeom prst="rect">
+            <a:avLst/>
+          </a:prstGeom>
+          <a:noFill/>
+        </p:spPr>
+        <p:txBody>
+          <a:bodyPr wrap="square" rtlCol="0">
+            <a:spAutoFit/>
+          </a:bodyPr>
+          <a:lstStyle/>
+          <a:p>
+            <a:r>
+              <a:rPr lang="en-US" dirty="0" err="1" smtClean="0"/>
+              <a:t>Hành</a:t>
+            </a:r>
+            <a:r>
+              <a:rPr lang="en-US" dirty="0" smtClean="0"/>
+              <a:t> </a:t>
+            </a:r>
+            <a:r>
+              <a:rPr lang="en-US" dirty="0" err="1" smtClean="0"/>
+              <a:t>Lạc</a:t>
+            </a:r>
+            <a:endParaRPr lang="en-US" dirty="0"/>
+          </a:p>
+          <a:p>
+            <a:endParaRPr lang="en-US" dirty="0" smtClean="0"/>
+          </a:p>
+          <a:p>
+            <a:r>
+              <a:rPr lang="en-US" dirty="0" err="1" smtClean="0"/>
+              <a:t>Gợi</a:t>
+            </a:r>
+            <a:r>
+              <a:rPr lang="en-US" dirty="0" smtClean="0"/>
+              <a:t> ý: </a:t>
+            </a:r>
+            <a:r>
+              <a:rPr lang="en-US" dirty="0" err="1" smtClean="0"/>
+              <a:t>Thực</a:t>
+            </a:r>
+            <a:r>
+              <a:rPr lang="en-US" dirty="0" smtClean="0"/>
+              <a:t> </a:t>
+            </a:r>
+            <a:r>
+              <a:rPr lang="en-US" dirty="0" err="1" smtClean="0"/>
+              <a:t>hiện</a:t>
+            </a:r>
+            <a:r>
+              <a:rPr lang="en-US" dirty="0" smtClean="0"/>
+              <a:t> </a:t>
+            </a:r>
+            <a:r>
+              <a:rPr lang="en-US" dirty="0" err="1" smtClean="0"/>
+              <a:t>việc</a:t>
+            </a:r>
+            <a:r>
+              <a:rPr lang="en-US" dirty="0" smtClean="0"/>
+              <a:t> </a:t>
+            </a:r>
+            <a:r>
+              <a:rPr lang="en-US" dirty="0" err="1" smtClean="0"/>
+              <a:t>mà</a:t>
+            </a:r>
+            <a:r>
+              <a:rPr lang="en-US" dirty="0" smtClean="0"/>
+              <a:t> </a:t>
+            </a:r>
+            <a:r>
+              <a:rPr lang="en-US" dirty="0" err="1" smtClean="0"/>
+              <a:t>mình</a:t>
+            </a:r>
+            <a:r>
+              <a:rPr lang="en-US" dirty="0" smtClean="0"/>
+              <a:t> </a:t>
+            </a:r>
+            <a:r>
+              <a:rPr lang="en-US" dirty="0" err="1" smtClean="0"/>
+              <a:t>thích</a:t>
+            </a:r>
+            <a:r>
+              <a:rPr lang="en-US" dirty="0" smtClean="0"/>
+              <a:t> </a:t>
+            </a:r>
+            <a:r>
+              <a:rPr lang="en-US" dirty="0" err="1" smtClean="0"/>
+              <a:t>thú</a:t>
+            </a:r>
+            <a:r>
+              <a:rPr lang="en-US" dirty="0" smtClean="0"/>
+              <a:t>, sung </a:t>
+            </a:r>
+            <a:r>
+              <a:rPr lang="en-US" dirty="0" err="1" smtClean="0"/>
+              <a:t>sướng</a:t>
+            </a:r>
+            <a:endParaRPr lang="en-US" dirty="0" smtClean="0"/>
+          </a:p>
+        </p:txBody>
+      </p:sp>
+      <p:sp>
+        <p:nvSpPr>
+          <p:cNvPr id="2" name="Oval 1"/>
+          <p:cNvSpPr/>
+          <p:nvPr/>
+        </p:nvSpPr>
+        <p:spPr>
+          <a:xfrm>
+            <a:off x="3167370" y="1066800"/>
+            <a:ext cx="3200400" cy="1219200"/>
+          </a:xfrm>
+          <a:prstGeom prst="ellipse">
+            <a:avLst/>
+          </a:prstGeom>
+          <a:solidFill>
+            <a:schemeClr val="bg1"/>
+          </a:solidFill>
+          <a:ln>
+            <a:solidFill>
+              <a:schemeClr val="bg1"/>
+            </a:solidFill>
+          </a:ln>
+        </p:spPr>
+        <p:style>
+          <a:lnRef idx="2">
+            <a:schemeClr val="accent1">
+              <a:shade val="50000"/>
+            </a:schemeClr>
+          </a:lnRef>
+          <a:fillRef idx="1">
+            <a:schemeClr val="accent1"/>
+          </a:fillRef>
+          <a:effectRef idx="0">
+            <a:schemeClr val="accent1"/>
+          </a:effectRef>
+          <a:fontRef idx="minor">
+            <a:schemeClr val="lt1"/>
+          </a:fontRef>
+        </p:style>
+        <p:txBody>
+          <a:bodyPr rtlCol="0" anchor="ctr"/>
+          <a:lstStyle/>
+          <a:p>
+            <a:pPr algn="ctr"/>
+            <a:endParaRPr lang="en-US">
+              <a:ln>
+                <a:solidFill>
+                  <a:schemeClr val="bg1"/>
+                </a:solidFill>
+              </a:ln>
+              <a:solidFill>
+                <a:schemeClr val="bg1"/>
+              </a:solidFill>
+            </a:endParaRPr>
+          </a:p>
+        </p:txBody>
+      </p:sp>
+      <p:pic>
+        <p:nvPicPr>
+          <p:cNvPr id="7" name="Picture 6"/>
+          <p:cNvPicPr>
+            <a:picLocks noChangeAspect="1"/>
+          </p:cNvPicPr>
+          <p:nvPr/>
+        </p:nvPicPr>
+        <p:blipFill>
+          <a:blip r:embed="rId2">
+            <a:extLst>
+              <a:ext uri="{28A0092B-C50C-407E-A947-70E740481C1C}">
+                <a14:useLocalDpi xmlns:a14="http://schemas.microsoft.com/office/drawing/2010/main" val="0"/>
+              </a:ext>
+            </a:extLst>
+          </a:blip>
+          <a:stretch>
+            <a:fillRect/>
+          </a:stretch>
+        </p:blipFill>
+        <p:spPr>
+          <a:xfrm>
+            <a:off x="1727977" y="381000"/>
+            <a:ext cx="5764245" cy="4329114"/>
+          </a:xfrm>
+          <a:prstGeom prst="rect">
+            <a:avLst/>
+          </a:prstGeom>
+        </p:spPr>
+      </p:pic>
+    </p:spTree>
+    <p:extLst>
+      <p:ext uri="{BB962C8B-B14F-4D97-AF65-F5344CB8AC3E}">
+        <p14:creationId xmlns:p14="http://schemas.microsoft.com/office/powerpoint/2010/main" val="1508735494"/>
+      </p:ext>
+    </p:extLst>
+  </p:cSld>
+  <p:clrMapOvr>
+    <a:masterClrMapping/>
+  </p:clrMapOvr>
+</p:sld>
+</file>
+
+<file path=ppt/slides/slide26.xml><?xml version="1.0" encoding="utf-8"?>
+<p:sld xmlns:a="http://schemas.openxmlformats.org/drawingml/2006/main" xmlns:r="http://schemas.openxmlformats.org/officeDocument/2006/relationships" xmlns:p="http://schemas.openxmlformats.org/presentationml/2006/main">
+  <p:cSld>
+    <p:spTree>
+      <p:nvGrpSpPr>
+        <p:cNvPr id="1" name=""/>
+        <p:cNvGrpSpPr/>
+        <p:nvPr/>
+      </p:nvGrpSpPr>
+      <p:grpSpPr>
+        <a:xfrm>
+          <a:off x="0" y="0"/>
+          <a:ext cx="0" cy="0"/>
+          <a:chOff x="0" y="0"/>
+          <a:chExt cx="0" cy="0"/>
+        </a:xfrm>
+      </p:grpSpPr>
+      <p:sp>
+        <p:nvSpPr>
+          <p:cNvPr id="5" name="TextBox 4"/>
+          <p:cNvSpPr txBox="1"/>
+          <p:nvPr/>
+        </p:nvSpPr>
+        <p:spPr>
+          <a:xfrm>
+            <a:off x="914400" y="5105400"/>
+            <a:ext cx="7391400" cy="923330"/>
+          </a:xfrm>
+          <a:prstGeom prst="rect">
+            <a:avLst/>
+          </a:prstGeom>
+          <a:noFill/>
+        </p:spPr>
+        <p:txBody>
+          <a:bodyPr wrap="square" rtlCol="0">
+            <a:spAutoFit/>
+          </a:bodyPr>
+          <a:lstStyle/>
+          <a:p>
+            <a:r>
+              <a:rPr lang="en-US" dirty="0" err="1" smtClean="0"/>
+              <a:t>Đầu</a:t>
+            </a:r>
+            <a:r>
+              <a:rPr lang="en-US" dirty="0" smtClean="0"/>
+              <a:t> </a:t>
+            </a:r>
+            <a:r>
+              <a:rPr lang="en-US" dirty="0" err="1" smtClean="0"/>
+              <a:t>Hàng</a:t>
+            </a:r>
+            <a:endParaRPr lang="en-US" dirty="0"/>
+          </a:p>
+          <a:p>
+            <a:endParaRPr lang="en-US" dirty="0" smtClean="0"/>
+          </a:p>
+          <a:p>
+            <a:r>
+              <a:rPr lang="en-US" dirty="0" err="1" smtClean="0"/>
+              <a:t>Gợi</a:t>
+            </a:r>
+            <a:r>
+              <a:rPr lang="en-US" dirty="0" smtClean="0"/>
+              <a:t> ý: </a:t>
+            </a:r>
+            <a:r>
+              <a:rPr lang="en-US" dirty="0" err="1" smtClean="0"/>
+              <a:t>Từ</a:t>
+            </a:r>
+            <a:r>
+              <a:rPr lang="en-US" dirty="0" smtClean="0"/>
+              <a:t> </a:t>
+            </a:r>
+            <a:r>
+              <a:rPr lang="en-US" dirty="0" err="1" smtClean="0"/>
+              <a:t>chỉ</a:t>
+            </a:r>
+            <a:r>
+              <a:rPr lang="en-US" dirty="0" smtClean="0"/>
+              <a:t> </a:t>
+            </a:r>
+            <a:r>
+              <a:rPr lang="en-US" dirty="0" err="1" smtClean="0"/>
+              <a:t>sự</a:t>
+            </a:r>
+            <a:r>
+              <a:rPr lang="en-US" dirty="0" smtClean="0"/>
+              <a:t> </a:t>
+            </a:r>
+            <a:r>
+              <a:rPr lang="en-US" dirty="0" err="1" smtClean="0"/>
+              <a:t>từ</a:t>
+            </a:r>
+            <a:r>
+              <a:rPr lang="en-US" dirty="0" smtClean="0"/>
+              <a:t> </a:t>
+            </a:r>
+            <a:r>
+              <a:rPr lang="en-US" dirty="0" err="1" smtClean="0"/>
+              <a:t>bỏ</a:t>
+            </a:r>
+            <a:r>
+              <a:rPr lang="en-US" dirty="0" smtClean="0"/>
+              <a:t>, </a:t>
+            </a:r>
+            <a:r>
+              <a:rPr lang="en-US" dirty="0" err="1" smtClean="0"/>
+              <a:t>chấp</a:t>
+            </a:r>
+            <a:r>
+              <a:rPr lang="en-US" dirty="0" smtClean="0"/>
+              <a:t> </a:t>
+            </a:r>
+            <a:r>
+              <a:rPr lang="en-US" dirty="0" err="1" smtClean="0"/>
+              <a:t>nhận</a:t>
+            </a:r>
+            <a:r>
+              <a:rPr lang="en-US" dirty="0" smtClean="0"/>
+              <a:t> </a:t>
+            </a:r>
+            <a:r>
+              <a:rPr lang="en-US" dirty="0" err="1" smtClean="0"/>
+              <a:t>thất</a:t>
+            </a:r>
+            <a:r>
+              <a:rPr lang="en-US" dirty="0" smtClean="0"/>
+              <a:t> </a:t>
+            </a:r>
+            <a:r>
+              <a:rPr lang="en-US" dirty="0" err="1" smtClean="0"/>
+              <a:t>bại</a:t>
+            </a:r>
+            <a:endParaRPr lang="en-US" dirty="0" smtClean="0"/>
+          </a:p>
+        </p:txBody>
+      </p:sp>
+      <p:sp>
+        <p:nvSpPr>
+          <p:cNvPr id="2" name="Oval 1"/>
+          <p:cNvSpPr/>
+          <p:nvPr/>
+        </p:nvSpPr>
+        <p:spPr>
+          <a:xfrm>
+            <a:off x="3167370" y="1066800"/>
+            <a:ext cx="3200400" cy="1219200"/>
+          </a:xfrm>
+          <a:prstGeom prst="ellipse">
+            <a:avLst/>
+          </a:prstGeom>
+          <a:solidFill>
+            <a:schemeClr val="bg1"/>
+          </a:solidFill>
+          <a:ln>
+            <a:solidFill>
+              <a:schemeClr val="bg1"/>
+            </a:solidFill>
+          </a:ln>
+        </p:spPr>
+        <p:style>
+          <a:lnRef idx="2">
+            <a:schemeClr val="accent1">
+              <a:shade val="50000"/>
+            </a:schemeClr>
+          </a:lnRef>
+          <a:fillRef idx="1">
+            <a:schemeClr val="accent1"/>
+          </a:fillRef>
+          <a:effectRef idx="0">
+            <a:schemeClr val="accent1"/>
+          </a:effectRef>
+          <a:fontRef idx="minor">
+            <a:schemeClr val="lt1"/>
+          </a:fontRef>
+        </p:style>
+        <p:txBody>
+          <a:bodyPr rtlCol="0" anchor="ctr"/>
+          <a:lstStyle/>
+          <a:p>
+            <a:pPr algn="ctr"/>
+            <a:endParaRPr lang="en-US">
+              <a:ln>
+                <a:solidFill>
+                  <a:schemeClr val="bg1"/>
+                </a:solidFill>
+              </a:ln>
+              <a:solidFill>
+                <a:schemeClr val="bg1"/>
+              </a:solidFill>
+            </a:endParaRPr>
+          </a:p>
+        </p:txBody>
+      </p:sp>
+      <p:pic>
+        <p:nvPicPr>
+          <p:cNvPr id="6" name="Picture 5"/>
+          <p:cNvPicPr>
+            <a:picLocks noChangeAspect="1"/>
+          </p:cNvPicPr>
+          <p:nvPr/>
+        </p:nvPicPr>
+        <p:blipFill>
+          <a:blip r:embed="rId2">
+            <a:extLst>
+              <a:ext uri="{28A0092B-C50C-407E-A947-70E740481C1C}">
+                <a14:useLocalDpi xmlns:a14="http://schemas.microsoft.com/office/drawing/2010/main" val="0"/>
+              </a:ext>
+            </a:extLst>
+          </a:blip>
+          <a:stretch>
+            <a:fillRect/>
+          </a:stretch>
+        </p:blipFill>
+        <p:spPr>
+          <a:xfrm>
+            <a:off x="1733550" y="609600"/>
+            <a:ext cx="5753100" cy="4314825"/>
+          </a:xfrm>
+          <a:prstGeom prst="rect">
+            <a:avLst/>
+          </a:prstGeom>
+        </p:spPr>
+      </p:pic>
+    </p:spTree>
+    <p:extLst>
+      <p:ext uri="{BB962C8B-B14F-4D97-AF65-F5344CB8AC3E}">
+        <p14:creationId xmlns:p14="http://schemas.microsoft.com/office/powerpoint/2010/main" val="4246519941"/>
+      </p:ext>
+    </p:extLst>
+  </p:cSld>
+  <p:clrMapOvr>
+    <a:masterClrMapping/>
+  </p:clrMapOvr>
+</p:sld>
+</file>
+
+<file path=ppt/slides/slide27.xml><?xml version="1.0" encoding="utf-8"?>
+<p:sld xmlns:a="http://schemas.openxmlformats.org/drawingml/2006/main" xmlns:r="http://schemas.openxmlformats.org/officeDocument/2006/relationships" xmlns:p="http://schemas.openxmlformats.org/presentationml/2006/main">
+  <p:cSld>
+    <p:spTree>
+      <p:nvGrpSpPr>
+        <p:cNvPr id="1" name=""/>
+        <p:cNvGrpSpPr/>
+        <p:nvPr/>
+      </p:nvGrpSpPr>
+      <p:grpSpPr>
+        <a:xfrm>
+          <a:off x="0" y="0"/>
+          <a:ext cx="0" cy="0"/>
+          <a:chOff x="0" y="0"/>
+          <a:chExt cx="0" cy="0"/>
+        </a:xfrm>
+      </p:grpSpPr>
+      <p:sp>
+        <p:nvSpPr>
+          <p:cNvPr id="5" name="TextBox 4"/>
+          <p:cNvSpPr txBox="1"/>
+          <p:nvPr/>
+        </p:nvSpPr>
+        <p:spPr>
+          <a:xfrm>
+            <a:off x="914400" y="5105400"/>
+            <a:ext cx="7391400" cy="923330"/>
+          </a:xfrm>
+          <a:prstGeom prst="rect">
+            <a:avLst/>
+          </a:prstGeom>
+          <a:noFill/>
+        </p:spPr>
+        <p:txBody>
+          <a:bodyPr wrap="square" rtlCol="0">
+            <a:spAutoFit/>
+          </a:bodyPr>
+          <a:lstStyle/>
+          <a:p>
+            <a:r>
+              <a:rPr lang="en-US" dirty="0" err="1" smtClean="0"/>
+              <a:t>Phân</a:t>
+            </a:r>
+            <a:r>
+              <a:rPr lang="en-US" dirty="0" smtClean="0"/>
+              <a:t> </a:t>
+            </a:r>
+            <a:r>
+              <a:rPr lang="en-US" dirty="0" err="1" smtClean="0"/>
+              <a:t>Công</a:t>
+            </a:r>
+            <a:endParaRPr lang="en-US" dirty="0"/>
+          </a:p>
+          <a:p>
+            <a:endParaRPr lang="en-US" dirty="0" smtClean="0"/>
+          </a:p>
+          <a:p>
+            <a:r>
+              <a:rPr lang="en-US" dirty="0" err="1" smtClean="0"/>
+              <a:t>Gợi</a:t>
+            </a:r>
+            <a:r>
+              <a:rPr lang="en-US" dirty="0" smtClean="0"/>
+              <a:t> ý: </a:t>
+            </a:r>
+            <a:r>
+              <a:rPr lang="en-US" dirty="0" err="1" smtClean="0"/>
+              <a:t>Từ</a:t>
+            </a:r>
+            <a:r>
+              <a:rPr lang="en-US" dirty="0" smtClean="0"/>
+              <a:t> </a:t>
+            </a:r>
+            <a:r>
+              <a:rPr lang="en-US" dirty="0" err="1" smtClean="0"/>
+              <a:t>có</a:t>
+            </a:r>
+            <a:r>
+              <a:rPr lang="en-US" dirty="0" smtClean="0"/>
+              <a:t> </a:t>
+            </a:r>
+            <a:r>
+              <a:rPr lang="en-US" dirty="0" err="1" smtClean="0"/>
+              <a:t>nghĩa</a:t>
+            </a:r>
+            <a:r>
+              <a:rPr lang="en-US" dirty="0" smtClean="0"/>
+              <a:t> </a:t>
+            </a:r>
+            <a:r>
+              <a:rPr lang="en-US" dirty="0" err="1" smtClean="0"/>
+              <a:t>là</a:t>
+            </a:r>
+            <a:r>
+              <a:rPr lang="en-US" dirty="0"/>
+              <a:t> </a:t>
+            </a:r>
+            <a:r>
+              <a:rPr lang="en-US" dirty="0" err="1" smtClean="0"/>
+              <a:t>giao</a:t>
+            </a:r>
+            <a:r>
+              <a:rPr lang="en-US" dirty="0" smtClean="0"/>
+              <a:t> </a:t>
+            </a:r>
+            <a:r>
+              <a:rPr lang="en-US" dirty="0" err="1" smtClean="0"/>
+              <a:t>nhiệm</a:t>
+            </a:r>
+            <a:r>
+              <a:rPr lang="en-US" dirty="0" smtClean="0"/>
+              <a:t> </a:t>
+            </a:r>
+            <a:r>
+              <a:rPr lang="en-US" dirty="0" err="1" smtClean="0"/>
+              <a:t>vụ</a:t>
+            </a:r>
+            <a:r>
+              <a:rPr lang="en-US" dirty="0" smtClean="0"/>
+              <a:t>, </a:t>
+            </a:r>
+            <a:r>
+              <a:rPr lang="en-US" dirty="0" err="1" smtClean="0"/>
+              <a:t>giao</a:t>
+            </a:r>
+            <a:r>
+              <a:rPr lang="en-US" dirty="0" smtClean="0"/>
+              <a:t> </a:t>
+            </a:r>
+            <a:r>
+              <a:rPr lang="en-US" dirty="0" err="1" smtClean="0"/>
+              <a:t>việc</a:t>
+            </a:r>
+            <a:r>
+              <a:rPr lang="en-US" dirty="0" smtClean="0"/>
+              <a:t> </a:t>
+            </a:r>
+            <a:r>
+              <a:rPr lang="en-US" dirty="0" err="1" smtClean="0"/>
+              <a:t>cho</a:t>
+            </a:r>
+            <a:r>
+              <a:rPr lang="en-US" dirty="0" smtClean="0"/>
+              <a:t> </a:t>
+            </a:r>
+            <a:r>
+              <a:rPr lang="en-US" dirty="0" err="1" smtClean="0"/>
+              <a:t>một</a:t>
+            </a:r>
+            <a:r>
+              <a:rPr lang="en-US" dirty="0" smtClean="0"/>
+              <a:t> </a:t>
+            </a:r>
+            <a:r>
+              <a:rPr lang="en-US" dirty="0" err="1" smtClean="0"/>
+              <a:t>ai</a:t>
+            </a:r>
+            <a:r>
+              <a:rPr lang="en-US" dirty="0" smtClean="0"/>
+              <a:t> </a:t>
+            </a:r>
+            <a:r>
+              <a:rPr lang="en-US" dirty="0" err="1" smtClean="0"/>
+              <a:t>đó</a:t>
+            </a:r>
+            <a:endParaRPr lang="en-US" dirty="0" smtClean="0"/>
+          </a:p>
+        </p:txBody>
+      </p:sp>
+      <p:sp>
+        <p:nvSpPr>
+          <p:cNvPr id="2" name="Oval 1"/>
+          <p:cNvSpPr/>
+          <p:nvPr/>
+        </p:nvSpPr>
+        <p:spPr>
+          <a:xfrm>
+            <a:off x="3167370" y="1066800"/>
+            <a:ext cx="3200400" cy="1219200"/>
+          </a:xfrm>
+          <a:prstGeom prst="ellipse">
+            <a:avLst/>
+          </a:prstGeom>
+          <a:solidFill>
+            <a:schemeClr val="bg1"/>
+          </a:solidFill>
+          <a:ln>
+            <a:solidFill>
+              <a:schemeClr val="bg1"/>
+            </a:solidFill>
+          </a:ln>
+        </p:spPr>
+        <p:style>
+          <a:lnRef idx="2">
+            <a:schemeClr val="accent1">
+              <a:shade val="50000"/>
+            </a:schemeClr>
+          </a:lnRef>
+          <a:fillRef idx="1">
+            <a:schemeClr val="accent1"/>
+          </a:fillRef>
+          <a:effectRef idx="0">
+            <a:schemeClr val="accent1"/>
+          </a:effectRef>
+          <a:fontRef idx="minor">
+            <a:schemeClr val="lt1"/>
+          </a:fontRef>
+        </p:style>
+        <p:txBody>
+          <a:bodyPr rtlCol="0" anchor="ctr"/>
+          <a:lstStyle/>
+          <a:p>
+            <a:pPr algn="ctr"/>
+            <a:endParaRPr lang="en-US">
+              <a:ln>
+                <a:solidFill>
+                  <a:schemeClr val="bg1"/>
+                </a:solidFill>
+              </a:ln>
+              <a:solidFill>
+                <a:schemeClr val="bg1"/>
+              </a:solidFill>
+            </a:endParaRPr>
+          </a:p>
+        </p:txBody>
+      </p:sp>
+      <p:pic>
+        <p:nvPicPr>
+          <p:cNvPr id="7" name="Picture 6"/>
+          <p:cNvPicPr>
+            <a:picLocks noChangeAspect="1"/>
+          </p:cNvPicPr>
+          <p:nvPr/>
+        </p:nvPicPr>
+        <p:blipFill>
+          <a:blip r:embed="rId2">
+            <a:extLst>
+              <a:ext uri="{28A0092B-C50C-407E-A947-70E740481C1C}">
+                <a14:useLocalDpi xmlns:a14="http://schemas.microsoft.com/office/drawing/2010/main" val="0"/>
+              </a:ext>
+            </a:extLst>
+          </a:blip>
+          <a:stretch>
+            <a:fillRect/>
+          </a:stretch>
+        </p:blipFill>
+        <p:spPr>
+          <a:xfrm>
+            <a:off x="1891020" y="339090"/>
+            <a:ext cx="5753100" cy="4314825"/>
+          </a:xfrm>
+          <a:prstGeom prst="rect">
+            <a:avLst/>
+          </a:prstGeom>
+        </p:spPr>
+      </p:pic>
+    </p:spTree>
+    <p:extLst>
+      <p:ext uri="{BB962C8B-B14F-4D97-AF65-F5344CB8AC3E}">
+        <p14:creationId xmlns:p14="http://schemas.microsoft.com/office/powerpoint/2010/main" val="606580643"/>
+      </p:ext>
+    </p:extLst>
+  </p:cSld>
+  <p:clrMapOvr>
+    <a:masterClrMapping/>
+  </p:clrMapOvr>
+</p:sld>
+</file>
+
+<file path=ppt/slides/slide28.xml><?xml version="1.0" encoding="utf-8"?>
+<p:sld xmlns:a="http://schemas.openxmlformats.org/drawingml/2006/main" xmlns:r="http://schemas.openxmlformats.org/officeDocument/2006/relationships" xmlns:p="http://schemas.openxmlformats.org/presentationml/2006/main">
+  <p:cSld>
+    <p:spTree>
+      <p:nvGrpSpPr>
+        <p:cNvPr id="1" name=""/>
+        <p:cNvGrpSpPr/>
+        <p:nvPr/>
+      </p:nvGrpSpPr>
+      <p:grpSpPr>
+        <a:xfrm>
+          <a:off x="0" y="0"/>
+          <a:ext cx="0" cy="0"/>
+          <a:chOff x="0" y="0"/>
+          <a:chExt cx="0" cy="0"/>
+        </a:xfrm>
+      </p:grpSpPr>
+      <p:sp>
+        <p:nvSpPr>
+          <p:cNvPr id="5" name="TextBox 4"/>
+          <p:cNvSpPr txBox="1"/>
+          <p:nvPr/>
+        </p:nvSpPr>
+        <p:spPr>
+          <a:xfrm>
+            <a:off x="914400" y="5105400"/>
+            <a:ext cx="7391400" cy="923330"/>
+          </a:xfrm>
+          <a:prstGeom prst="rect">
+            <a:avLst/>
+          </a:prstGeom>
+          <a:noFill/>
+        </p:spPr>
+        <p:txBody>
+          <a:bodyPr wrap="square" rtlCol="0">
+            <a:spAutoFit/>
+          </a:bodyPr>
+          <a:lstStyle/>
+          <a:p>
+            <a:r>
+              <a:rPr lang="en-US" dirty="0" err="1" smtClean="0"/>
+              <a:t>Chân</a:t>
+            </a:r>
+            <a:r>
+              <a:rPr lang="en-US" dirty="0" smtClean="0"/>
+              <a:t> </a:t>
+            </a:r>
+            <a:r>
+              <a:rPr lang="en-US" dirty="0" err="1" smtClean="0"/>
+              <a:t>Không</a:t>
+            </a:r>
+            <a:endParaRPr lang="en-US" dirty="0"/>
+          </a:p>
+          <a:p>
+            <a:endParaRPr lang="en-US" dirty="0" smtClean="0"/>
+          </a:p>
+          <a:p>
+            <a:r>
+              <a:rPr lang="en-US" dirty="0" err="1" smtClean="0"/>
+              <a:t>Gợi</a:t>
+            </a:r>
+            <a:r>
+              <a:rPr lang="en-US" dirty="0" smtClean="0"/>
+              <a:t> ý: </a:t>
+            </a:r>
+            <a:r>
+              <a:rPr lang="en-US" dirty="0" err="1" smtClean="0"/>
+              <a:t>Đây</a:t>
+            </a:r>
+            <a:r>
+              <a:rPr lang="en-US" dirty="0" smtClean="0"/>
+              <a:t> </a:t>
+            </a:r>
+            <a:r>
+              <a:rPr lang="en-US" dirty="0" err="1" smtClean="0"/>
+              <a:t>là</a:t>
+            </a:r>
+            <a:r>
+              <a:rPr lang="en-US" dirty="0" smtClean="0"/>
+              <a:t> </a:t>
+            </a:r>
+            <a:r>
+              <a:rPr lang="en-US" dirty="0" err="1" smtClean="0"/>
+              <a:t>từ</a:t>
+            </a:r>
+            <a:r>
+              <a:rPr lang="en-US" dirty="0" smtClean="0"/>
+              <a:t> </a:t>
+            </a:r>
+            <a:r>
+              <a:rPr lang="en-US" dirty="0" err="1" smtClean="0"/>
+              <a:t>chỉ</a:t>
+            </a:r>
+            <a:r>
+              <a:rPr lang="en-US" dirty="0" smtClean="0"/>
+              <a:t> </a:t>
+            </a:r>
+            <a:r>
+              <a:rPr lang="en-US" dirty="0" err="1" smtClean="0"/>
+              <a:t>tình</a:t>
+            </a:r>
+            <a:r>
+              <a:rPr lang="en-US" dirty="0" smtClean="0"/>
+              <a:t> </a:t>
+            </a:r>
+            <a:r>
+              <a:rPr lang="en-US" dirty="0" err="1" smtClean="0"/>
+              <a:t>trạng</a:t>
+            </a:r>
+            <a:r>
+              <a:rPr lang="en-US" dirty="0" smtClean="0"/>
+              <a:t> </a:t>
+            </a:r>
+            <a:r>
+              <a:rPr lang="en-US" dirty="0" err="1" smtClean="0"/>
+              <a:t>không</a:t>
+            </a:r>
+            <a:r>
+              <a:rPr lang="en-US" dirty="0" smtClean="0"/>
+              <a:t> </a:t>
+            </a:r>
+            <a:r>
+              <a:rPr lang="en-US" dirty="0" err="1" smtClean="0"/>
+              <a:t>có</a:t>
+            </a:r>
+            <a:r>
+              <a:rPr lang="en-US" dirty="0" smtClean="0"/>
+              <a:t> </a:t>
+            </a:r>
+            <a:r>
+              <a:rPr lang="en-US" dirty="0" err="1" smtClean="0"/>
+              <a:t>không</a:t>
+            </a:r>
+            <a:r>
+              <a:rPr lang="en-US" dirty="0" smtClean="0"/>
+              <a:t> </a:t>
+            </a:r>
+            <a:r>
+              <a:rPr lang="en-US" dirty="0" err="1" smtClean="0"/>
+              <a:t>khí</a:t>
+            </a:r>
+            <a:endParaRPr lang="en-US" dirty="0" smtClean="0"/>
+          </a:p>
+        </p:txBody>
+      </p:sp>
+      <p:sp>
+        <p:nvSpPr>
+          <p:cNvPr id="2" name="Oval 1"/>
+          <p:cNvSpPr/>
+          <p:nvPr/>
+        </p:nvSpPr>
+        <p:spPr>
+          <a:xfrm>
+            <a:off x="3167370" y="1066800"/>
+            <a:ext cx="3200400" cy="1219200"/>
+          </a:xfrm>
+          <a:prstGeom prst="ellipse">
+            <a:avLst/>
+          </a:prstGeom>
+          <a:solidFill>
+            <a:schemeClr val="bg1"/>
+          </a:solidFill>
+          <a:ln>
+            <a:solidFill>
+              <a:schemeClr val="bg1"/>
+            </a:solidFill>
+          </a:ln>
+        </p:spPr>
+        <p:style>
+          <a:lnRef idx="2">
+            <a:schemeClr val="accent1">
+              <a:shade val="50000"/>
+            </a:schemeClr>
+          </a:lnRef>
+          <a:fillRef idx="1">
+            <a:schemeClr val="accent1"/>
+          </a:fillRef>
+          <a:effectRef idx="0">
+            <a:schemeClr val="accent1"/>
+          </a:effectRef>
+          <a:fontRef idx="minor">
+            <a:schemeClr val="lt1"/>
+          </a:fontRef>
+        </p:style>
+        <p:txBody>
+          <a:bodyPr rtlCol="0" anchor="ctr"/>
+          <a:lstStyle/>
+          <a:p>
+            <a:pPr algn="ctr"/>
+            <a:endParaRPr lang="en-US">
+              <a:ln>
+                <a:solidFill>
+                  <a:schemeClr val="bg1"/>
+                </a:solidFill>
+              </a:ln>
+              <a:solidFill>
+                <a:schemeClr val="bg1"/>
+              </a:solidFill>
+            </a:endParaRPr>
+          </a:p>
+        </p:txBody>
+      </p:sp>
+      <p:pic>
+        <p:nvPicPr>
+          <p:cNvPr id="6" name="Picture 5"/>
+          <p:cNvPicPr>
+            <a:picLocks noChangeAspect="1"/>
+          </p:cNvPicPr>
+          <p:nvPr/>
+        </p:nvPicPr>
+        <p:blipFill>
+          <a:blip r:embed="rId2">
+            <a:extLst>
+              <a:ext uri="{28A0092B-C50C-407E-A947-70E740481C1C}">
+                <a14:useLocalDpi xmlns:a14="http://schemas.microsoft.com/office/drawing/2010/main" val="0"/>
+              </a:ext>
+            </a:extLst>
+          </a:blip>
+          <a:stretch>
+            <a:fillRect/>
+          </a:stretch>
+        </p:blipFill>
+        <p:spPr>
+          <a:xfrm>
+            <a:off x="1845450" y="692925"/>
+            <a:ext cx="5753100" cy="4314825"/>
+          </a:xfrm>
+          <a:prstGeom prst="rect">
+            <a:avLst/>
+          </a:prstGeom>
+        </p:spPr>
+      </p:pic>
+    </p:spTree>
+    <p:extLst>
+      <p:ext uri="{BB962C8B-B14F-4D97-AF65-F5344CB8AC3E}">
+        <p14:creationId xmlns:p14="http://schemas.microsoft.com/office/powerpoint/2010/main" val="2725327851"/>
+      </p:ext>
+    </p:extLst>
+  </p:cSld>
+  <p:clrMapOvr>
+    <a:masterClrMapping/>
+  </p:clrMapOvr>
+</p:sld>
+</file>
+
+<file path=ppt/slides/slide29.xml><?xml version="1.0" encoding="utf-8"?>
+<p:sld xmlns:a="http://schemas.openxmlformats.org/drawingml/2006/main" xmlns:r="http://schemas.openxmlformats.org/officeDocument/2006/relationships" xmlns:p="http://schemas.openxmlformats.org/presentationml/2006/main">
+  <p:cSld>
+    <p:spTree>
+      <p:nvGrpSpPr>
+        <p:cNvPr id="1" name=""/>
+        <p:cNvGrpSpPr/>
+        <p:nvPr/>
+      </p:nvGrpSpPr>
+      <p:grpSpPr>
+        <a:xfrm>
+          <a:off x="0" y="0"/>
+          <a:ext cx="0" cy="0"/>
+          <a:chOff x="0" y="0"/>
+          <a:chExt cx="0" cy="0"/>
+        </a:xfrm>
+      </p:grpSpPr>
+      <p:sp>
+        <p:nvSpPr>
+          <p:cNvPr id="5" name="TextBox 4"/>
+          <p:cNvSpPr txBox="1"/>
+          <p:nvPr/>
+        </p:nvSpPr>
+        <p:spPr>
+          <a:xfrm>
+            <a:off x="914400" y="5105400"/>
+            <a:ext cx="7391400" cy="923330"/>
+          </a:xfrm>
+          <a:prstGeom prst="rect">
+            <a:avLst/>
+          </a:prstGeom>
+          <a:noFill/>
+        </p:spPr>
+        <p:txBody>
+          <a:bodyPr wrap="square" rtlCol="0">
+            <a:spAutoFit/>
+          </a:bodyPr>
+          <a:lstStyle/>
+          <a:p>
+            <a:r>
+              <a:rPr lang="en-US" dirty="0" err="1" smtClean="0"/>
+              <a:t>Trái</a:t>
+            </a:r>
+            <a:r>
+              <a:rPr lang="en-US" dirty="0" smtClean="0"/>
+              <a:t> Tim </a:t>
+            </a:r>
+            <a:r>
+              <a:rPr lang="en-US" dirty="0" err="1" smtClean="0"/>
+              <a:t>Bên</a:t>
+            </a:r>
+            <a:r>
+              <a:rPr lang="en-US" dirty="0" smtClean="0"/>
+              <a:t> </a:t>
+            </a:r>
+            <a:r>
+              <a:rPr lang="en-US" dirty="0" err="1" smtClean="0"/>
+              <a:t>Lề</a:t>
+            </a:r>
+            <a:endParaRPr lang="en-US" dirty="0"/>
+          </a:p>
+          <a:p>
+            <a:endParaRPr lang="en-US" dirty="0" smtClean="0"/>
+          </a:p>
+          <a:p>
+            <a:r>
+              <a:rPr lang="en-US" dirty="0" err="1" smtClean="0"/>
+              <a:t>Gợi</a:t>
+            </a:r>
+            <a:r>
+              <a:rPr lang="en-US" dirty="0" smtClean="0"/>
+              <a:t> ý: </a:t>
+            </a:r>
+            <a:r>
+              <a:rPr lang="en-US" dirty="0" err="1" smtClean="0"/>
+              <a:t>Đây</a:t>
+            </a:r>
+            <a:r>
+              <a:rPr lang="en-US" dirty="0" smtClean="0"/>
+              <a:t> </a:t>
+            </a:r>
+            <a:r>
+              <a:rPr lang="en-US" dirty="0" err="1" smtClean="0"/>
+              <a:t>là</a:t>
+            </a:r>
+            <a:r>
+              <a:rPr lang="en-US" dirty="0" smtClean="0"/>
+              <a:t> </a:t>
+            </a:r>
+            <a:r>
+              <a:rPr lang="en-US" dirty="0" err="1" smtClean="0"/>
+              <a:t>tên</a:t>
+            </a:r>
+            <a:r>
+              <a:rPr lang="en-US" dirty="0" smtClean="0"/>
+              <a:t> </a:t>
+            </a:r>
+            <a:r>
+              <a:rPr lang="en-US" dirty="0" err="1" smtClean="0"/>
+              <a:t>một</a:t>
+            </a:r>
+            <a:r>
+              <a:rPr lang="en-US" dirty="0" smtClean="0"/>
+              <a:t> </a:t>
+            </a:r>
+            <a:r>
+              <a:rPr lang="en-US" dirty="0" err="1" smtClean="0"/>
+              <a:t>ca</a:t>
+            </a:r>
+            <a:r>
+              <a:rPr lang="en-US" dirty="0" smtClean="0"/>
+              <a:t> </a:t>
+            </a:r>
+            <a:r>
+              <a:rPr lang="en-US" dirty="0" err="1" smtClean="0"/>
+              <a:t>khúc</a:t>
+            </a:r>
+            <a:r>
+              <a:rPr lang="en-US" dirty="0" smtClean="0"/>
+              <a:t> </a:t>
+            </a:r>
+            <a:r>
+              <a:rPr lang="en-US" dirty="0" err="1" smtClean="0"/>
+              <a:t>được</a:t>
+            </a:r>
+            <a:r>
+              <a:rPr lang="en-US" dirty="0" smtClean="0"/>
+              <a:t> </a:t>
+            </a:r>
+            <a:r>
+              <a:rPr lang="en-US" dirty="0" err="1" smtClean="0"/>
+              <a:t>ca</a:t>
+            </a:r>
+            <a:r>
+              <a:rPr lang="en-US" dirty="0" smtClean="0"/>
+              <a:t> </a:t>
+            </a:r>
+            <a:r>
+              <a:rPr lang="en-US" dirty="0" err="1" smtClean="0"/>
+              <a:t>sĩ</a:t>
+            </a:r>
+            <a:r>
+              <a:rPr lang="en-US" dirty="0" smtClean="0"/>
+              <a:t> </a:t>
+            </a:r>
+            <a:r>
+              <a:rPr lang="en-US" dirty="0" err="1" smtClean="0"/>
+              <a:t>Bằng</a:t>
+            </a:r>
+            <a:r>
+              <a:rPr lang="en-US" dirty="0" smtClean="0"/>
+              <a:t> </a:t>
+            </a:r>
+            <a:r>
+              <a:rPr lang="en-US" dirty="0" err="1" smtClean="0"/>
+              <a:t>Kiều</a:t>
+            </a:r>
+            <a:r>
+              <a:rPr lang="en-US" dirty="0" smtClean="0"/>
+              <a:t> </a:t>
+            </a:r>
+            <a:r>
+              <a:rPr lang="en-US" dirty="0" err="1" smtClean="0"/>
+              <a:t>thể</a:t>
+            </a:r>
+            <a:r>
+              <a:rPr lang="en-US" dirty="0" smtClean="0"/>
+              <a:t> </a:t>
+            </a:r>
+            <a:r>
+              <a:rPr lang="en-US" dirty="0" err="1" smtClean="0"/>
+              <a:t>hiện</a:t>
+            </a:r>
+            <a:r>
+              <a:rPr lang="en-US" dirty="0" smtClean="0"/>
+              <a:t> </a:t>
+            </a:r>
+            <a:r>
+              <a:rPr lang="en-US" dirty="0" err="1" smtClean="0"/>
+              <a:t>rất</a:t>
+            </a:r>
+            <a:r>
+              <a:rPr lang="en-US" dirty="0" smtClean="0"/>
+              <a:t> </a:t>
+            </a:r>
+            <a:r>
+              <a:rPr lang="en-US" dirty="0" err="1" smtClean="0"/>
+              <a:t>thành</a:t>
+            </a:r>
+            <a:r>
+              <a:rPr lang="en-US" dirty="0" smtClean="0"/>
+              <a:t> </a:t>
+            </a:r>
+            <a:r>
+              <a:rPr lang="en-US" dirty="0" err="1" smtClean="0"/>
+              <a:t>công</a:t>
+            </a:r>
+            <a:r>
+              <a:rPr lang="en-US" dirty="0" smtClean="0"/>
+              <a:t> </a:t>
+            </a:r>
+            <a:endParaRPr lang="en-US" dirty="0" smtClean="0"/>
+          </a:p>
+        </p:txBody>
+      </p:sp>
+      <p:sp>
+        <p:nvSpPr>
+          <p:cNvPr id="2" name="Oval 1"/>
+          <p:cNvSpPr/>
+          <p:nvPr/>
+        </p:nvSpPr>
+        <p:spPr>
+          <a:xfrm>
+            <a:off x="3167370" y="1066800"/>
+            <a:ext cx="3200400" cy="1219200"/>
+          </a:xfrm>
+          <a:prstGeom prst="ellipse">
+            <a:avLst/>
+          </a:prstGeom>
+          <a:solidFill>
+            <a:schemeClr val="bg1"/>
+          </a:solidFill>
+          <a:ln>
+            <a:solidFill>
+              <a:schemeClr val="bg1"/>
+            </a:solidFill>
+          </a:ln>
+        </p:spPr>
+        <p:style>
+          <a:lnRef idx="2">
+            <a:schemeClr val="accent1">
+              <a:shade val="50000"/>
+            </a:schemeClr>
+          </a:lnRef>
+          <a:fillRef idx="1">
+            <a:schemeClr val="accent1"/>
+          </a:fillRef>
+          <a:effectRef idx="0">
+            <a:schemeClr val="accent1"/>
+          </a:effectRef>
+          <a:fontRef idx="minor">
+            <a:schemeClr val="lt1"/>
+          </a:fontRef>
+        </p:style>
+        <p:txBody>
+          <a:bodyPr rtlCol="0" anchor="ctr"/>
+          <a:lstStyle/>
+          <a:p>
+            <a:pPr algn="ctr"/>
+            <a:endParaRPr lang="en-US">
+              <a:ln>
+                <a:solidFill>
+                  <a:schemeClr val="bg1"/>
+                </a:solidFill>
+              </a:ln>
+              <a:solidFill>
+                <a:schemeClr val="bg1"/>
+              </a:solidFill>
+            </a:endParaRPr>
+          </a:p>
+        </p:txBody>
+      </p:sp>
+      <p:pic>
+        <p:nvPicPr>
+          <p:cNvPr id="7" name="Picture 6"/>
+          <p:cNvPicPr>
+            <a:picLocks noChangeAspect="1"/>
+          </p:cNvPicPr>
+          <p:nvPr/>
+        </p:nvPicPr>
+        <p:blipFill>
+          <a:blip r:embed="rId2">
+            <a:extLst>
+              <a:ext uri="{28A0092B-C50C-407E-A947-70E740481C1C}">
+                <a14:useLocalDpi xmlns:a14="http://schemas.microsoft.com/office/drawing/2010/main" val="0"/>
+              </a:ext>
+            </a:extLst>
+          </a:blip>
+          <a:stretch>
+            <a:fillRect/>
+          </a:stretch>
+        </p:blipFill>
+        <p:spPr>
+          <a:xfrm>
+            <a:off x="1828800" y="533400"/>
+            <a:ext cx="5105400" cy="3829050"/>
+          </a:xfrm>
+          <a:prstGeom prst="rect">
+            <a:avLst/>
+          </a:prstGeom>
+        </p:spPr>
+      </p:pic>
+    </p:spTree>
+    <p:extLst>
+      <p:ext uri="{BB962C8B-B14F-4D97-AF65-F5344CB8AC3E}">
+        <p14:creationId xmlns:p14="http://schemas.microsoft.com/office/powerpoint/2010/main" val="3198657381"/>
       </p:ext>
     </p:extLst>
   </p:cSld>
@@ -6229,6 +7984,295 @@
     <p:extLst>
       <p:ext uri="{BB962C8B-B14F-4D97-AF65-F5344CB8AC3E}">
         <p14:creationId xmlns:p14="http://schemas.microsoft.com/office/powerpoint/2010/main" val="31250370"/>
+      </p:ext>
+    </p:extLst>
+  </p:cSld>
+  <p:clrMapOvr>
+    <a:masterClrMapping/>
+  </p:clrMapOvr>
+</p:sld>
+</file>
+
+<file path=ppt/slides/slide30.xml><?xml version="1.0" encoding="utf-8"?>
+<p:sld xmlns:a="http://schemas.openxmlformats.org/drawingml/2006/main" xmlns:r="http://schemas.openxmlformats.org/officeDocument/2006/relationships" xmlns:p="http://schemas.openxmlformats.org/presentationml/2006/main">
+  <p:cSld>
+    <p:spTree>
+      <p:nvGrpSpPr>
+        <p:cNvPr id="1" name=""/>
+        <p:cNvGrpSpPr/>
+        <p:nvPr/>
+      </p:nvGrpSpPr>
+      <p:grpSpPr>
+        <a:xfrm>
+          <a:off x="0" y="0"/>
+          <a:ext cx="0" cy="0"/>
+          <a:chOff x="0" y="0"/>
+          <a:chExt cx="0" cy="0"/>
+        </a:xfrm>
+      </p:grpSpPr>
+      <p:sp>
+        <p:nvSpPr>
+          <p:cNvPr id="5" name="TextBox 4"/>
+          <p:cNvSpPr txBox="1"/>
+          <p:nvPr/>
+        </p:nvSpPr>
+        <p:spPr>
+          <a:xfrm>
+            <a:off x="914400" y="4953000"/>
+            <a:ext cx="7391400" cy="923330"/>
+          </a:xfrm>
+          <a:prstGeom prst="rect">
+            <a:avLst/>
+          </a:prstGeom>
+          <a:noFill/>
+        </p:spPr>
+        <p:txBody>
+          <a:bodyPr wrap="square" rtlCol="0">
+            <a:spAutoFit/>
+          </a:bodyPr>
+          <a:lstStyle/>
+          <a:p>
+            <a:r>
+              <a:rPr lang="en-US" dirty="0" err="1" smtClean="0"/>
+              <a:t>Câu</a:t>
+            </a:r>
+            <a:r>
+              <a:rPr lang="en-US" dirty="0" smtClean="0"/>
+              <a:t> </a:t>
+            </a:r>
+            <a:r>
+              <a:rPr lang="en-US" dirty="0" err="1" smtClean="0"/>
+              <a:t>Giờ</a:t>
+            </a:r>
+            <a:endParaRPr lang="en-US" dirty="0"/>
+          </a:p>
+          <a:p>
+            <a:endParaRPr lang="en-US" dirty="0" smtClean="0"/>
+          </a:p>
+          <a:p>
+            <a:r>
+              <a:rPr lang="en-US" dirty="0" err="1" smtClean="0"/>
+              <a:t>Gợi</a:t>
+            </a:r>
+            <a:r>
+              <a:rPr lang="en-US" dirty="0" smtClean="0"/>
+              <a:t> ý: </a:t>
+            </a:r>
+            <a:r>
+              <a:rPr lang="en-US" dirty="0" err="1" smtClean="0"/>
+              <a:t>Đây</a:t>
+            </a:r>
+            <a:r>
+              <a:rPr lang="en-US" dirty="0" smtClean="0"/>
+              <a:t> </a:t>
+            </a:r>
+            <a:r>
+              <a:rPr lang="en-US" dirty="0" err="1" smtClean="0"/>
+              <a:t>là</a:t>
+            </a:r>
+            <a:r>
+              <a:rPr lang="en-US" dirty="0" smtClean="0"/>
+              <a:t> </a:t>
+            </a:r>
+            <a:r>
+              <a:rPr lang="en-US" dirty="0" smtClean="0"/>
+              <a:t> </a:t>
+            </a:r>
+            <a:r>
+              <a:rPr lang="en-US" dirty="0" err="1" smtClean="0"/>
+              <a:t>hành</a:t>
+            </a:r>
+            <a:r>
+              <a:rPr lang="en-US" dirty="0" smtClean="0"/>
+              <a:t> </a:t>
+            </a:r>
+            <a:r>
+              <a:rPr lang="en-US" dirty="0" err="1" smtClean="0"/>
+              <a:t>động</a:t>
+            </a:r>
+            <a:r>
+              <a:rPr lang="en-US" dirty="0" smtClean="0"/>
+              <a:t> </a:t>
+            </a:r>
+            <a:r>
+              <a:rPr lang="en-US" dirty="0" err="1" smtClean="0"/>
+              <a:t>các</a:t>
+            </a:r>
+            <a:r>
+              <a:rPr lang="en-US" dirty="0" smtClean="0"/>
+              <a:t> </a:t>
+            </a:r>
+            <a:r>
+              <a:rPr lang="en-US" dirty="0" err="1" smtClean="0"/>
+              <a:t>cầu</a:t>
+            </a:r>
+            <a:r>
+              <a:rPr lang="en-US" dirty="0" smtClean="0"/>
+              <a:t> </a:t>
+            </a:r>
+            <a:r>
+              <a:rPr lang="en-US" dirty="0" err="1" smtClean="0"/>
+              <a:t>thủ</a:t>
+            </a:r>
+            <a:r>
+              <a:rPr lang="en-US" dirty="0" smtClean="0"/>
+              <a:t> </a:t>
+            </a:r>
+            <a:r>
+              <a:rPr lang="en-US" dirty="0" err="1" smtClean="0"/>
+              <a:t>đá</a:t>
+            </a:r>
+            <a:r>
+              <a:rPr lang="en-US" dirty="0" smtClean="0"/>
+              <a:t> </a:t>
+            </a:r>
+            <a:r>
+              <a:rPr lang="en-US" dirty="0" err="1" smtClean="0"/>
+              <a:t>banh</a:t>
+            </a:r>
+            <a:r>
+              <a:rPr lang="en-US" dirty="0" smtClean="0"/>
+              <a:t> </a:t>
+            </a:r>
+            <a:r>
+              <a:rPr lang="en-US" dirty="0" err="1" smtClean="0"/>
+              <a:t>rất</a:t>
+            </a:r>
+            <a:r>
+              <a:rPr lang="en-US" dirty="0" smtClean="0"/>
+              <a:t> hay </a:t>
+            </a:r>
+            <a:r>
+              <a:rPr lang="en-US" dirty="0" err="1" smtClean="0"/>
+              <a:t>làm</a:t>
+            </a:r>
+            <a:r>
+              <a:rPr lang="en-US" dirty="0" smtClean="0"/>
+              <a:t> </a:t>
+            </a:r>
+            <a:r>
+              <a:rPr lang="en-US" dirty="0" err="1" smtClean="0"/>
+              <a:t>vào</a:t>
+            </a:r>
+            <a:r>
+              <a:rPr lang="en-US" dirty="0" smtClean="0"/>
+              <a:t> </a:t>
+            </a:r>
+            <a:r>
+              <a:rPr lang="en-US" dirty="0" err="1" smtClean="0"/>
+              <a:t>cuối</a:t>
+            </a:r>
+            <a:r>
+              <a:rPr lang="en-US" dirty="0" smtClean="0"/>
+              <a:t> </a:t>
+            </a:r>
+            <a:r>
+              <a:rPr lang="en-US" dirty="0" err="1" smtClean="0"/>
+              <a:t>trận</a:t>
+            </a:r>
+            <a:r>
+              <a:rPr lang="en-US" dirty="0" smtClean="0"/>
+              <a:t> </a:t>
+            </a:r>
+            <a:r>
+              <a:rPr lang="en-US" dirty="0" err="1" smtClean="0"/>
+              <a:t>đấu</a:t>
+            </a:r>
+            <a:endParaRPr lang="en-US" dirty="0" smtClean="0"/>
+          </a:p>
+        </p:txBody>
+      </p:sp>
+      <p:sp>
+        <p:nvSpPr>
+          <p:cNvPr id="2" name="Oval 1"/>
+          <p:cNvSpPr/>
+          <p:nvPr/>
+        </p:nvSpPr>
+        <p:spPr>
+          <a:xfrm>
+            <a:off x="3167370" y="1066800"/>
+            <a:ext cx="3200400" cy="1219200"/>
+          </a:xfrm>
+          <a:prstGeom prst="ellipse">
+            <a:avLst/>
+          </a:prstGeom>
+          <a:solidFill>
+            <a:schemeClr val="bg1"/>
+          </a:solidFill>
+          <a:ln>
+            <a:solidFill>
+              <a:schemeClr val="bg1"/>
+            </a:solidFill>
+          </a:ln>
+        </p:spPr>
+        <p:style>
+          <a:lnRef idx="2">
+            <a:schemeClr val="accent1">
+              <a:shade val="50000"/>
+            </a:schemeClr>
+          </a:lnRef>
+          <a:fillRef idx="1">
+            <a:schemeClr val="accent1"/>
+          </a:fillRef>
+          <a:effectRef idx="0">
+            <a:schemeClr val="accent1"/>
+          </a:effectRef>
+          <a:fontRef idx="minor">
+            <a:schemeClr val="lt1"/>
+          </a:fontRef>
+        </p:style>
+        <p:txBody>
+          <a:bodyPr rtlCol="0" anchor="ctr"/>
+          <a:lstStyle/>
+          <a:p>
+            <a:pPr algn="ctr"/>
+            <a:endParaRPr lang="en-US">
+              <a:ln>
+                <a:solidFill>
+                  <a:schemeClr val="bg1"/>
+                </a:solidFill>
+              </a:ln>
+              <a:solidFill>
+                <a:schemeClr val="bg1"/>
+              </a:solidFill>
+            </a:endParaRPr>
+          </a:p>
+        </p:txBody>
+      </p:sp>
+      <p:pic>
+        <p:nvPicPr>
+          <p:cNvPr id="3" name="Picture 2"/>
+          <p:cNvPicPr>
+            <a:picLocks noChangeAspect="1"/>
+          </p:cNvPicPr>
+          <p:nvPr/>
+        </p:nvPicPr>
+        <p:blipFill>
+          <a:blip r:embed="rId2">
+            <a:extLst>
+              <a:ext uri="{28A0092B-C50C-407E-A947-70E740481C1C}">
+                <a14:useLocalDpi xmlns:a14="http://schemas.microsoft.com/office/drawing/2010/main" val="0"/>
+              </a:ext>
+            </a:extLst>
+          </a:blip>
+          <a:stretch>
+            <a:fillRect/>
+          </a:stretch>
+        </p:blipFill>
+        <p:spPr>
+          <a:xfrm>
+            <a:off x="1844011" y="609600"/>
+            <a:ext cx="5532178" cy="3681413"/>
+          </a:xfrm>
+          <a:prstGeom prst="rect">
+            <a:avLst/>
+          </a:prstGeom>
+        </p:spPr>
+      </p:pic>
+    </p:spTree>
+    <p:extLst>
+      <p:ext uri="{BB962C8B-B14F-4D97-AF65-F5344CB8AC3E}">
+        <p14:creationId xmlns:p14="http://schemas.microsoft.com/office/powerpoint/2010/main" val="2952002225"/>
       </p:ext>
     </p:extLst>
   </p:cSld>
